--- a/Subhra's work/Book1.pptx
+++ b/Subhra's work/Book1.pptx
@@ -3327,7 +3327,7 @@
           <p:cNvPr id="0" name="slide1">
             <a:extLst>
               <a:ext uri="{FF2B5EF4-FFF2-40B4-BE49-F238E27FC236}">
-                <a16:creationId xmlns:a16="http://schemas.microsoft.com/office/drawing/2014/main" id="{CC815926-F173-476E-8E53-EF7E0224BC32}"/>
+                <a16:creationId xmlns:a16="http://schemas.microsoft.com/office/drawing/2014/main" id="{D071664B-7C06-4AE4-BE85-A9798B58309B}"/>
               </a:ext>
             </a:extLst>
           </p:cNvPr>
@@ -3355,7 +3355,7 @@
           <p:cNvPr id="1" name="slide1">
             <a:extLst>
               <a:ext uri="{FF2B5EF4-FFF2-40B4-BE49-F238E27FC236}">
-                <a16:creationId xmlns:a16="http://schemas.microsoft.com/office/drawing/2014/main" id="{D840EA3D-D653-4941-BF49-1A693DC7AF40}"/>
+                <a16:creationId xmlns:a16="http://schemas.microsoft.com/office/drawing/2014/main" id="{3B29BA02-4BDB-41F2-AABB-CCED12F69ADA}"/>
               </a:ext>
             </a:extLst>
           </p:cNvPr>
@@ -3373,7 +3373,7 @@
           <a:p>
             <a:r>
               <a:rPr/>
-              <a:t>File created on: 5/11/19 1:10:10 PM EDT</a:t>
+              <a:t>File created on: 5/13/19 5:14:25 PM EDT</a:t>
             </a:r>
           </a:p>
         </p:txBody>
@@ -3413,7 +3413,7 @@
           <p:cNvPr id="2" name="slide2">
             <a:extLst>
               <a:ext uri="{FF2B5EF4-FFF2-40B4-BE49-F238E27FC236}">
-                <a16:creationId xmlns:a16="http://schemas.microsoft.com/office/drawing/2014/main" id="{9F4E6F39-AA0A-4B03-8745-9B808A3F8518}"/>
+                <a16:creationId xmlns:a16="http://schemas.microsoft.com/office/drawing/2014/main" id="{56C19716-9025-4F76-BB87-1A84AD3CA54F}"/>
               </a:ext>
             </a:extLst>
           </p:cNvPr>
@@ -3436,8 +3436,8 @@
         </p:blipFill>
         <p:spPr>
           <a:xfrm>
-            <a:off x="3095625" y="57150"/>
-            <a:ext cx="6000750" cy="6743700"/>
+            <a:off x="1157287" y="2357437"/>
+            <a:ext cx="9877425" cy="2143125"/>
           </a:xfrm>
           <a:prstGeom prst="rect">
             <a:avLst/>
